--- a/1. Core Java/Day 8/Slides/25. Storing and Accessing Data/storing-and-accessing-data-slides.pptx
+++ b/1. Core Java/Day 8/Slides/25. Storing and Accessing Data/storing-and-accessing-data-slides.pptx
@@ -3351,8 +3351,8 @@
         </p:nvSpPr>
         <p:spPr>
           <a:xfrm>
-            <a:off x="951383" y="2009937"/>
-            <a:ext cx="8585835" cy="711200"/>
+            <a:off x="712470" y="2238375"/>
+            <a:ext cx="10765155" cy="704850"/>
           </a:xfrm>
           <a:prstGeom prst="rect">
             <a:avLst/>
@@ -3580,7 +3580,19 @@
               </a:rPr>
               <a:t>es</a:t>
             </a:r>
-            <a:endParaRPr sz="4500"/>
+            <a:r>
+              <a:rPr lang="en-US" sz="4500" spc="-175" dirty="0">
+                <a:solidFill>
+                  <a:srgbClr val="161616"/>
+                </a:solidFill>
+              </a:rPr>
+              <a:t> - Part I</a:t>
+            </a:r>
+            <a:endParaRPr lang="en-US" sz="4500" spc="-175" dirty="0">
+              <a:solidFill>
+                <a:srgbClr val="161616"/>
+              </a:solidFill>
+            </a:endParaRPr>
           </a:p>
         </p:txBody>
       </p:sp>
